--- a/ppt/2차 발표.pptx
+++ b/ppt/2차 발표.pptx
@@ -204,7 +204,7 @@
           <a:p>
             <a:fld id="{E4DC5699-1787-4611-B2BA-A032124F22B6}" type="datetimeFigureOut">
               <a:rPr lang="ko-KR" altLang="en-US" smtClean="0"/>
-              <a:t>2022-10-18</a:t>
+              <a:t>2022-11-18</a:t>
             </a:fld>
             <a:endParaRPr lang="ko-KR" altLang="en-US"/>
           </a:p>
@@ -786,7 +786,7 @@
           <a:p>
             <a:fld id="{B4BB169F-B13A-484C-8203-95481BA86948}" type="datetimeFigureOut">
               <a:rPr lang="ko-KR" altLang="en-US" smtClean="0"/>
-              <a:t>2022-10-18</a:t>
+              <a:t>2022-11-18</a:t>
             </a:fld>
             <a:endParaRPr lang="ko-KR" altLang="en-US"/>
           </a:p>
@@ -984,7 +984,7 @@
           <a:p>
             <a:fld id="{B4BB169F-B13A-484C-8203-95481BA86948}" type="datetimeFigureOut">
               <a:rPr lang="ko-KR" altLang="en-US" smtClean="0"/>
-              <a:t>2022-10-18</a:t>
+              <a:t>2022-11-18</a:t>
             </a:fld>
             <a:endParaRPr lang="ko-KR" altLang="en-US"/>
           </a:p>
@@ -1192,7 +1192,7 @@
           <a:p>
             <a:fld id="{B4BB169F-B13A-484C-8203-95481BA86948}" type="datetimeFigureOut">
               <a:rPr lang="ko-KR" altLang="en-US" smtClean="0"/>
-              <a:t>2022-10-18</a:t>
+              <a:t>2022-11-18</a:t>
             </a:fld>
             <a:endParaRPr lang="ko-KR" altLang="en-US"/>
           </a:p>
@@ -1390,7 +1390,7 @@
           <a:p>
             <a:fld id="{B4BB169F-B13A-484C-8203-95481BA86948}" type="datetimeFigureOut">
               <a:rPr lang="ko-KR" altLang="en-US" smtClean="0"/>
-              <a:t>2022-10-18</a:t>
+              <a:t>2022-11-18</a:t>
             </a:fld>
             <a:endParaRPr lang="ko-KR" altLang="en-US"/>
           </a:p>
@@ -1665,7 +1665,7 @@
           <a:p>
             <a:fld id="{B4BB169F-B13A-484C-8203-95481BA86948}" type="datetimeFigureOut">
               <a:rPr lang="ko-KR" altLang="en-US" smtClean="0"/>
-              <a:t>2022-10-18</a:t>
+              <a:t>2022-11-18</a:t>
             </a:fld>
             <a:endParaRPr lang="ko-KR" altLang="en-US"/>
           </a:p>
@@ -1930,7 +1930,7 @@
           <a:p>
             <a:fld id="{B4BB169F-B13A-484C-8203-95481BA86948}" type="datetimeFigureOut">
               <a:rPr lang="ko-KR" altLang="en-US" smtClean="0"/>
-              <a:t>2022-10-18</a:t>
+              <a:t>2022-11-18</a:t>
             </a:fld>
             <a:endParaRPr lang="ko-KR" altLang="en-US"/>
           </a:p>
@@ -2342,7 +2342,7 @@
           <a:p>
             <a:fld id="{B4BB169F-B13A-484C-8203-95481BA86948}" type="datetimeFigureOut">
               <a:rPr lang="ko-KR" altLang="en-US" smtClean="0"/>
-              <a:t>2022-10-18</a:t>
+              <a:t>2022-11-18</a:t>
             </a:fld>
             <a:endParaRPr lang="ko-KR" altLang="en-US"/>
           </a:p>
@@ -2483,7 +2483,7 @@
           <a:p>
             <a:fld id="{B4BB169F-B13A-484C-8203-95481BA86948}" type="datetimeFigureOut">
               <a:rPr lang="ko-KR" altLang="en-US" smtClean="0"/>
-              <a:t>2022-10-18</a:t>
+              <a:t>2022-11-18</a:t>
             </a:fld>
             <a:endParaRPr lang="ko-KR" altLang="en-US"/>
           </a:p>
@@ -2596,7 +2596,7 @@
           <a:p>
             <a:fld id="{B4BB169F-B13A-484C-8203-95481BA86948}" type="datetimeFigureOut">
               <a:rPr lang="ko-KR" altLang="en-US" smtClean="0"/>
-              <a:t>2022-10-18</a:t>
+              <a:t>2022-11-18</a:t>
             </a:fld>
             <a:endParaRPr lang="ko-KR" altLang="en-US"/>
           </a:p>
@@ -2907,7 +2907,7 @@
           <a:p>
             <a:fld id="{B4BB169F-B13A-484C-8203-95481BA86948}" type="datetimeFigureOut">
               <a:rPr lang="ko-KR" altLang="en-US" smtClean="0"/>
-              <a:t>2022-10-18</a:t>
+              <a:t>2022-11-18</a:t>
             </a:fld>
             <a:endParaRPr lang="ko-KR" altLang="en-US"/>
           </a:p>
@@ -3195,7 +3195,7 @@
           <a:p>
             <a:fld id="{B4BB169F-B13A-484C-8203-95481BA86948}" type="datetimeFigureOut">
               <a:rPr lang="ko-KR" altLang="en-US" smtClean="0"/>
-              <a:t>2022-10-18</a:t>
+              <a:t>2022-11-18</a:t>
             </a:fld>
             <a:endParaRPr lang="ko-KR" altLang="en-US"/>
           </a:p>
@@ -3436,7 +3436,7 @@
           <a:p>
             <a:fld id="{B4BB169F-B13A-484C-8203-95481BA86948}" type="datetimeFigureOut">
               <a:rPr lang="ko-KR" altLang="en-US" smtClean="0"/>
-              <a:t>2022-10-18</a:t>
+              <a:t>2022-11-18</a:t>
             </a:fld>
             <a:endParaRPr lang="ko-KR" altLang="en-US"/>
           </a:p>
